--- a/Stat400_Presentation_updated.pptx
+++ b/Stat400_Presentation_updated.pptx
@@ -11,13 +11,13 @@
     <p:sldId id="261" r:id="rId5"/>
     <p:sldId id="258" r:id="rId6"/>
     <p:sldId id="262" r:id="rId7"/>
-    <p:sldId id="257" r:id="rId8"/>
-    <p:sldId id="268" r:id="rId9"/>
-    <p:sldId id="263" r:id="rId10"/>
-    <p:sldId id="265" r:id="rId11"/>
-    <p:sldId id="266" r:id="rId12"/>
-    <p:sldId id="267" r:id="rId13"/>
-    <p:sldId id="264" r:id="rId14"/>
+    <p:sldId id="281" r:id="rId8"/>
+    <p:sldId id="257" r:id="rId9"/>
+    <p:sldId id="268" r:id="rId10"/>
+    <p:sldId id="263" r:id="rId11"/>
+    <p:sldId id="265" r:id="rId12"/>
+    <p:sldId id="266" r:id="rId13"/>
+    <p:sldId id="267" r:id="rId14"/>
     <p:sldId id="280" r:id="rId15"/>
     <p:sldId id="276" r:id="rId16"/>
     <p:sldId id="271" r:id="rId17"/>
@@ -136,6 +136,97 @@
 </p:presentation>
 </file>
 
+<file path=ppt/revisionInfo.xml><?xml version="1.0" encoding="utf-8"?>
+<p1510:revInfo xmlns:a="http://schemas.openxmlformats.org/drawingml/2006/main" xmlns:r="http://schemas.openxmlformats.org/officeDocument/2006/relationships" xmlns:p1510="http://schemas.microsoft.com/office/powerpoint/2015/10/main">
+  <p1510:revLst>
+    <p1510:client id="{3F087448-FFBA-41C3-9F8B-3790D3B1B076}" v="4" dt="2021-12-09T15:20:25.542"/>
+  </p1510:revLst>
+</p1510:revInfo>
+</file>
+
+<file path=ppt/changesInfos/changesInfo1.xml><?xml version="1.0" encoding="utf-8"?>
+<pc:chgInfo xmlns:a="http://schemas.openxmlformats.org/drawingml/2006/main" xmlns:r="http://schemas.openxmlformats.org/officeDocument/2006/relationships" xmlns:ac="http://schemas.microsoft.com/office/drawing/2013/main/command" xmlns:pc="http://schemas.microsoft.com/office/powerpoint/2013/main/command">
+  <pc:docChgLst>
+    <pc:chgData name="dan" userId="52998601ba1e9464" providerId="LiveId" clId="{3F087448-FFBA-41C3-9F8B-3790D3B1B076}"/>
+    <pc:docChg chg="undo custSel addSld delSld modSld sldOrd">
+      <pc:chgData name="dan" userId="52998601ba1e9464" providerId="LiveId" clId="{3F087448-FFBA-41C3-9F8B-3790D3B1B076}" dt="2021-12-09T15:22:56.450" v="55" actId="2696"/>
+      <pc:docMkLst>
+        <pc:docMk/>
+      </pc:docMkLst>
+      <pc:sldChg chg="ord">
+        <pc:chgData name="dan" userId="52998601ba1e9464" providerId="LiveId" clId="{3F087448-FFBA-41C3-9F8B-3790D3B1B076}" dt="2021-12-09T15:21:16.086" v="54"/>
+        <pc:sldMkLst>
+          <pc:docMk/>
+          <pc:sldMk cId="1289069313" sldId="257"/>
+        </pc:sldMkLst>
+      </pc:sldChg>
+      <pc:sldChg chg="del">
+        <pc:chgData name="dan" userId="52998601ba1e9464" providerId="LiveId" clId="{3F087448-FFBA-41C3-9F8B-3790D3B1B076}" dt="2021-12-09T15:22:56.450" v="55" actId="2696"/>
+        <pc:sldMkLst>
+          <pc:docMk/>
+          <pc:sldMk cId="1116559384" sldId="264"/>
+        </pc:sldMkLst>
+      </pc:sldChg>
+      <pc:sldChg chg="addSp delSp modSp new mod ord">
+        <pc:chgData name="dan" userId="52998601ba1e9464" providerId="LiveId" clId="{3F087448-FFBA-41C3-9F8B-3790D3B1B076}" dt="2021-12-09T15:20:41.168" v="52" actId="1076"/>
+        <pc:sldMkLst>
+          <pc:docMk/>
+          <pc:sldMk cId="3378701454" sldId="281"/>
+        </pc:sldMkLst>
+        <pc:spChg chg="add del mod">
+          <ac:chgData name="dan" userId="52998601ba1e9464" providerId="LiveId" clId="{3F087448-FFBA-41C3-9F8B-3790D3B1B076}" dt="2021-12-09T15:19:41.258" v="43" actId="20577"/>
+          <ac:spMkLst>
+            <pc:docMk/>
+            <pc:sldMk cId="3378701454" sldId="281"/>
+            <ac:spMk id="2" creationId="{52539EA8-A158-496F-9802-A07053DE0047}"/>
+          </ac:spMkLst>
+        </pc:spChg>
+        <pc:spChg chg="del">
+          <ac:chgData name="dan" userId="52998601ba1e9464" providerId="LiveId" clId="{3F087448-FFBA-41C3-9F8B-3790D3B1B076}" dt="2021-12-09T15:19:29.301" v="3" actId="478"/>
+          <ac:spMkLst>
+            <pc:docMk/>
+            <pc:sldMk cId="3378701454" sldId="281"/>
+            <ac:spMk id="3" creationId="{BF4DAABE-88FF-436E-8ACF-8650C103E2F9}"/>
+          </ac:spMkLst>
+        </pc:spChg>
+        <pc:spChg chg="add mod">
+          <ac:chgData name="dan" userId="52998601ba1e9464" providerId="LiveId" clId="{3F087448-FFBA-41C3-9F8B-3790D3B1B076}" dt="2021-12-09T15:20:17.633" v="48"/>
+          <ac:spMkLst>
+            <pc:docMk/>
+            <pc:sldMk cId="3378701454" sldId="281"/>
+            <ac:spMk id="6" creationId="{F44B1B02-1CB1-463C-AA9B-5779E2AB137D}"/>
+          </ac:spMkLst>
+        </pc:spChg>
+        <pc:spChg chg="add mod">
+          <ac:chgData name="dan" userId="52998601ba1e9464" providerId="LiveId" clId="{3F087448-FFBA-41C3-9F8B-3790D3B1B076}" dt="2021-12-09T15:20:31.961" v="50" actId="1076"/>
+          <ac:spMkLst>
+            <pc:docMk/>
+            <pc:sldMk cId="3378701454" sldId="281"/>
+            <ac:spMk id="7" creationId="{4FC98A18-8F46-49D0-87E7-599675F96D09}"/>
+          </ac:spMkLst>
+        </pc:spChg>
+        <pc:picChg chg="add mod">
+          <ac:chgData name="dan" userId="52998601ba1e9464" providerId="LiveId" clId="{3F087448-FFBA-41C3-9F8B-3790D3B1B076}" dt="2021-12-09T15:20:36.570" v="51" actId="1076"/>
+          <ac:picMkLst>
+            <pc:docMk/>
+            <pc:sldMk cId="3378701454" sldId="281"/>
+            <ac:picMk id="4" creationId="{4C67C7CA-1AF8-4C89-9FD0-8EBC5036EAD8}"/>
+          </ac:picMkLst>
+        </pc:picChg>
+        <pc:picChg chg="add mod">
+          <ac:chgData name="dan" userId="52998601ba1e9464" providerId="LiveId" clId="{3F087448-FFBA-41C3-9F8B-3790D3B1B076}" dt="2021-12-09T15:20:41.168" v="52" actId="1076"/>
+          <ac:picMkLst>
+            <pc:docMk/>
+            <pc:sldMk cId="3378701454" sldId="281"/>
+            <ac:picMk id="5" creationId="{7A8B01FD-366D-429E-B8A0-D6F861CDB176}"/>
+          </ac:picMkLst>
+        </pc:picChg>
+      </pc:sldChg>
+    </pc:docChg>
+  </pc:docChgLst>
+</pc:chgInfo>
+</file>
+
 <file path=ppt/slideLayouts/slideLayout1.xml><?xml version="1.0" encoding="utf-8"?>
 <p:sldLayout xmlns:a="http://schemas.openxmlformats.org/drawingml/2006/main" xmlns:r="http://schemas.openxmlformats.org/officeDocument/2006/relationships" xmlns:p="http://schemas.openxmlformats.org/presentationml/2006/main" type="title" preserve="1">
   <p:cSld name="Title Slide">
@@ -283,7 +374,7 @@
           <a:p>
             <a:fld id="{4A012FA5-57F2-4E13-B123-5C8D89215D5E}" type="datetimeFigureOut">
               <a:rPr lang="en-US" smtClean="0"/>
-              <a:t>12/8/2021</a:t>
+              <a:t>12/9/2021</a:t>
             </a:fld>
             <a:endParaRPr lang="en-US"/>
           </a:p>
@@ -481,7 +572,7 @@
           <a:p>
             <a:fld id="{4A012FA5-57F2-4E13-B123-5C8D89215D5E}" type="datetimeFigureOut">
               <a:rPr lang="en-US" smtClean="0"/>
-              <a:t>12/8/2021</a:t>
+              <a:t>12/9/2021</a:t>
             </a:fld>
             <a:endParaRPr lang="en-US"/>
           </a:p>
@@ -689,7 +780,7 @@
           <a:p>
             <a:fld id="{4A012FA5-57F2-4E13-B123-5C8D89215D5E}" type="datetimeFigureOut">
               <a:rPr lang="en-US" smtClean="0"/>
-              <a:t>12/8/2021</a:t>
+              <a:t>12/9/2021</a:t>
             </a:fld>
             <a:endParaRPr lang="en-US"/>
           </a:p>
@@ -887,7 +978,7 @@
           <a:p>
             <a:fld id="{4A012FA5-57F2-4E13-B123-5C8D89215D5E}" type="datetimeFigureOut">
               <a:rPr lang="en-US" smtClean="0"/>
-              <a:t>12/8/2021</a:t>
+              <a:t>12/9/2021</a:t>
             </a:fld>
             <a:endParaRPr lang="en-US"/>
           </a:p>
@@ -1162,7 +1253,7 @@
           <a:p>
             <a:fld id="{4A012FA5-57F2-4E13-B123-5C8D89215D5E}" type="datetimeFigureOut">
               <a:rPr lang="en-US" smtClean="0"/>
-              <a:t>12/8/2021</a:t>
+              <a:t>12/9/2021</a:t>
             </a:fld>
             <a:endParaRPr lang="en-US"/>
           </a:p>
@@ -1427,7 +1518,7 @@
           <a:p>
             <a:fld id="{4A012FA5-57F2-4E13-B123-5C8D89215D5E}" type="datetimeFigureOut">
               <a:rPr lang="en-US" smtClean="0"/>
-              <a:t>12/8/2021</a:t>
+              <a:t>12/9/2021</a:t>
             </a:fld>
             <a:endParaRPr lang="en-US"/>
           </a:p>
@@ -1839,7 +1930,7 @@
           <a:p>
             <a:fld id="{4A012FA5-57F2-4E13-B123-5C8D89215D5E}" type="datetimeFigureOut">
               <a:rPr lang="en-US" smtClean="0"/>
-              <a:t>12/8/2021</a:t>
+              <a:t>12/9/2021</a:t>
             </a:fld>
             <a:endParaRPr lang="en-US"/>
           </a:p>
@@ -1980,7 +2071,7 @@
           <a:p>
             <a:fld id="{4A012FA5-57F2-4E13-B123-5C8D89215D5E}" type="datetimeFigureOut">
               <a:rPr lang="en-US" smtClean="0"/>
-              <a:t>12/8/2021</a:t>
+              <a:t>12/9/2021</a:t>
             </a:fld>
             <a:endParaRPr lang="en-US"/>
           </a:p>
@@ -2093,7 +2184,7 @@
           <a:p>
             <a:fld id="{4A012FA5-57F2-4E13-B123-5C8D89215D5E}" type="datetimeFigureOut">
               <a:rPr lang="en-US" smtClean="0"/>
-              <a:t>12/8/2021</a:t>
+              <a:t>12/9/2021</a:t>
             </a:fld>
             <a:endParaRPr lang="en-US"/>
           </a:p>
@@ -2404,7 +2495,7 @@
           <a:p>
             <a:fld id="{4A012FA5-57F2-4E13-B123-5C8D89215D5E}" type="datetimeFigureOut">
               <a:rPr lang="en-US" smtClean="0"/>
-              <a:t>12/8/2021</a:t>
+              <a:t>12/9/2021</a:t>
             </a:fld>
             <a:endParaRPr lang="en-US"/>
           </a:p>
@@ -2692,7 +2783,7 @@
           <a:p>
             <a:fld id="{4A012FA5-57F2-4E13-B123-5C8D89215D5E}" type="datetimeFigureOut">
               <a:rPr lang="en-US" smtClean="0"/>
-              <a:t>12/8/2021</a:t>
+              <a:t>12/9/2021</a:t>
             </a:fld>
             <a:endParaRPr lang="en-US"/>
           </a:p>
@@ -2933,7 +3024,7 @@
           <a:p>
             <a:fld id="{4A012FA5-57F2-4E13-B123-5C8D89215D5E}" type="datetimeFigureOut">
               <a:rPr lang="en-US" smtClean="0"/>
-              <a:t>12/8/2021</a:t>
+              <a:t>12/9/2021</a:t>
             </a:fld>
             <a:endParaRPr lang="en-US"/>
           </a:p>
@@ -3446,7 +3537,7 @@
           <p:cNvPr id="2" name="Title 1">
             <a:extLst>
               <a:ext uri="{FF2B5EF4-FFF2-40B4-BE49-F238E27FC236}">
-                <a16:creationId xmlns:a16="http://schemas.microsoft.com/office/drawing/2014/main" id="{AAD67D5E-5D5C-4328-A672-6942E13EA394}"/>
+                <a16:creationId xmlns:a16="http://schemas.microsoft.com/office/drawing/2014/main" id="{E901A6C3-F72A-497A-8E3E-CEF2E243711C}"/>
               </a:ext>
             </a:extLst>
           </p:cNvPr>
@@ -3464,49 +3555,99 @@
           <a:p>
             <a:r>
               <a:rPr lang="en-US" dirty="0"/>
-              <a:t>Bootstrap Sampling</a:t>
-            </a:r>
-          </a:p>
-        </p:txBody>
-      </p:sp>
-      <p:sp>
-        <p:nvSpPr>
-          <p:cNvPr id="3" name="Content Placeholder 2">
-            <a:extLst>
-              <a:ext uri="{FF2B5EF4-FFF2-40B4-BE49-F238E27FC236}">
-                <a16:creationId xmlns:a16="http://schemas.microsoft.com/office/drawing/2014/main" id="{BCDBEC09-12C4-4523-9DB1-90D0E2CF9F1B}"/>
-              </a:ext>
-            </a:extLst>
-          </p:cNvPr>
-          <p:cNvSpPr>
-            <a:spLocks noGrp="1"/>
-          </p:cNvSpPr>
+              <a:t>Two-Sample T Test Results</a:t>
+            </a:r>
+          </a:p>
+        </p:txBody>
+      </p:sp>
+      <p:pic>
+        <p:nvPicPr>
+          <p:cNvPr id="6" name="Content Placeholder 5" descr="Text, letter&#10;&#10;Description automatically generated">
+            <a:extLst>
+              <a:ext uri="{FF2B5EF4-FFF2-40B4-BE49-F238E27FC236}">
+                <a16:creationId xmlns:a16="http://schemas.microsoft.com/office/drawing/2014/main" id="{0CAA84E1-555A-4572-936B-19299817F9C9}"/>
+              </a:ext>
+            </a:extLst>
+          </p:cNvPr>
+          <p:cNvPicPr>
+            <a:picLocks noGrp="1" noChangeAspect="1"/>
+          </p:cNvPicPr>
           <p:nvPr>
             <p:ph idx="1"/>
           </p:nvPr>
-        </p:nvSpPr>
-        <p:spPr/>
-        <p:txBody>
-          <a:bodyPr/>
+        </p:nvPicPr>
+        <p:blipFill>
+          <a:blip r:embed="rId2">
+            <a:extLst>
+              <a:ext uri="{28A0092B-C50C-407E-A947-70E740481C1C}">
+                <a14:useLocalDpi xmlns:a14="http://schemas.microsoft.com/office/drawing/2010/main" val="0"/>
+              </a:ext>
+            </a:extLst>
+          </a:blip>
+          <a:stretch>
+            <a:fillRect/>
+          </a:stretch>
+        </p:blipFill>
+        <p:spPr>
+          <a:xfrm>
+            <a:off x="2785600" y="1690688"/>
+            <a:ext cx="6620799" cy="2448267"/>
+          </a:xfrm>
+        </p:spPr>
+      </p:pic>
+      <p:sp>
+        <p:nvSpPr>
+          <p:cNvPr id="7" name="TextBox 6">
+            <a:extLst>
+              <a:ext uri="{FF2B5EF4-FFF2-40B4-BE49-F238E27FC236}">
+                <a16:creationId xmlns:a16="http://schemas.microsoft.com/office/drawing/2014/main" id="{F02D071F-AA99-4D7F-A54E-E2C18DEE2F4C}"/>
+              </a:ext>
+            </a:extLst>
+          </p:cNvPr>
+          <p:cNvSpPr txBox="1"/>
+          <p:nvPr/>
+        </p:nvSpPr>
+        <p:spPr>
+          <a:xfrm>
+            <a:off x="2235200" y="4329854"/>
+            <a:ext cx="7545493" cy="1477328"/>
+          </a:xfrm>
+          <a:prstGeom prst="rect">
+            <a:avLst/>
+          </a:prstGeom>
+          <a:noFill/>
+        </p:spPr>
+        <p:txBody>
+          <a:bodyPr wrap="square" rtlCol="0">
+            <a:spAutoFit/>
+          </a:bodyPr>
           <a:lstStyle/>
           <a:p>
             <a:r>
               <a:rPr lang="en-US" dirty="0"/>
-              <a:t>Took 20000 Bootstrap samples of size 200  from our original sample of 226 shows for each season.  Corresponding season 1 and season 2 values were not picked.  i.e., they were not sampled in pairs.  They were sampled separately with replacement.  This means that the sample taken for season 1 is independent here from the sample taken for season 2.</a:t>
-            </a:r>
+              <a:t>We do not find statistically Significant evidence of a difference in population mean rating between first and second seasons of tv shows.  </a:t>
+            </a:r>
+          </a:p>
+          <a:p>
+            <a:endParaRPr lang="en-US" dirty="0"/>
           </a:p>
           <a:p>
             <a:r>
               <a:rPr lang="en-US" dirty="0"/>
-              <a:t>Since the season 1 values in the boot strap samples were gathered independently from the season 2 values, we should no longer be in violation of the independence assumption for a two-sample t test.</a:t>
-            </a:r>
+              <a:t>It could be worth trying to run this analysis again in the future if we have a larger pool of data than </a:t>
+            </a:r>
+            <a:r>
+              <a:rPr lang="en-US"/>
+              <a:t>226 observations.</a:t>
+            </a:r>
+            <a:endParaRPr lang="en-US" dirty="0"/>
           </a:p>
         </p:txBody>
       </p:sp>
     </p:spTree>
     <p:extLst>
       <p:ext uri="{BB962C8B-B14F-4D97-AF65-F5344CB8AC3E}">
-        <p14:creationId xmlns:p14="http://schemas.microsoft.com/office/powerpoint/2010/main" val="2239259575"/>
+        <p14:creationId xmlns:p14="http://schemas.microsoft.com/office/powerpoint/2010/main" val="1210001283"/>
       </p:ext>
     </p:extLst>
   </p:cSld>
@@ -3538,7 +3679,7 @@
           <p:cNvPr id="2" name="Title 1">
             <a:extLst>
               <a:ext uri="{FF2B5EF4-FFF2-40B4-BE49-F238E27FC236}">
-                <a16:creationId xmlns:a16="http://schemas.microsoft.com/office/drawing/2014/main" id="{E1351F20-6604-4E64-90BE-2354F967EFA0}"/>
+                <a16:creationId xmlns:a16="http://schemas.microsoft.com/office/drawing/2014/main" id="{AAD67D5E-5D5C-4328-A672-6942E13EA394}"/>
               </a:ext>
             </a:extLst>
           </p:cNvPr>
@@ -3556,7 +3697,7 @@
           <a:p>
             <a:r>
               <a:rPr lang="en-US" dirty="0"/>
-              <a:t>Bootstrap Sampling Cont.</a:t>
+              <a:t>Bootstrap Sampling</a:t>
             </a:r>
           </a:p>
         </p:txBody>
@@ -3566,7 +3707,7 @@
           <p:cNvPr id="3" name="Content Placeholder 2">
             <a:extLst>
               <a:ext uri="{FF2B5EF4-FFF2-40B4-BE49-F238E27FC236}">
-                <a16:creationId xmlns:a16="http://schemas.microsoft.com/office/drawing/2014/main" id="{D2FDC841-B9ED-43C0-9CF4-4DC2F6313E29}"/>
+                <a16:creationId xmlns:a16="http://schemas.microsoft.com/office/drawing/2014/main" id="{BCDBEC09-12C4-4523-9DB1-90D0E2CF9F1B}"/>
               </a:ext>
             </a:extLst>
           </p:cNvPr>
@@ -3584,29 +3725,13 @@
           <a:p>
             <a:r>
               <a:rPr lang="en-US" dirty="0"/>
-              <a:t>Mean p </a:t>
-            </a:r>
-            <a:r>
-              <a:rPr lang="en-US" dirty="0" err="1"/>
-              <a:t>val</a:t>
-            </a:r>
+              <a:t>Took 20000 Bootstrap samples of size 200  from our original sample of 226 shows for each season.  Corresponding season 1 and season 2 values were not picked.  i.e., they were not sampled in pairs.  They were sampled separately with replacement.  This means that the sample taken for season 1 is independent here from the sample taken for season 2.</a:t>
+            </a:r>
+          </a:p>
+          <a:p>
             <a:r>
               <a:rPr lang="en-US" dirty="0"/>
-              <a:t> from 20000 two-sample t-tests on bootstrap samples was .427 (.30).  This seems substantially lower than our original calculated p </a:t>
-            </a:r>
-            <a:r>
-              <a:rPr lang="en-US" dirty="0" err="1"/>
-              <a:t>val</a:t>
-            </a:r>
-            <a:r>
-              <a:rPr lang="en-US" dirty="0"/>
-              <a:t> of .462.</a:t>
-            </a:r>
-          </a:p>
-          <a:p>
-            <a:r>
-              <a:rPr lang="en-US" dirty="0"/>
-              <a:t> Still no statistically significant evidence of difference in population means between season 1 and season 2, so our interpretation of the results does not change.</a:t>
+              <a:t>Since the season 1 values in the boot strap samples were gathered independently from the season 2 values, we should no longer be in violation of the independence assumption for a two-sample t test.</a:t>
             </a:r>
           </a:p>
         </p:txBody>
@@ -3614,7 +3739,7 @@
     </p:spTree>
     <p:extLst>
       <p:ext uri="{BB962C8B-B14F-4D97-AF65-F5344CB8AC3E}">
-        <p14:creationId xmlns:p14="http://schemas.microsoft.com/office/powerpoint/2010/main" val="3568464628"/>
+        <p14:creationId xmlns:p14="http://schemas.microsoft.com/office/powerpoint/2010/main" val="2239259575"/>
       </p:ext>
     </p:extLst>
   </p:cSld>
@@ -3646,7 +3771,7 @@
           <p:cNvPr id="2" name="Title 1">
             <a:extLst>
               <a:ext uri="{FF2B5EF4-FFF2-40B4-BE49-F238E27FC236}">
-                <a16:creationId xmlns:a16="http://schemas.microsoft.com/office/drawing/2014/main" id="{7499F57B-C6F3-45F4-98BB-5B6882C5F274}"/>
+                <a16:creationId xmlns:a16="http://schemas.microsoft.com/office/drawing/2014/main" id="{E1351F20-6604-4E64-90BE-2354F967EFA0}"/>
               </a:ext>
             </a:extLst>
           </p:cNvPr>
@@ -3674,7 +3799,7 @@
           <p:cNvPr id="3" name="Content Placeholder 2">
             <a:extLst>
               <a:ext uri="{FF2B5EF4-FFF2-40B4-BE49-F238E27FC236}">
-                <a16:creationId xmlns:a16="http://schemas.microsoft.com/office/drawing/2014/main" id="{C747F49B-95DB-40E3-855A-E19424E2E136}"/>
+                <a16:creationId xmlns:a16="http://schemas.microsoft.com/office/drawing/2014/main" id="{D2FDC841-B9ED-43C0-9CF4-4DC2F6313E29}"/>
               </a:ext>
             </a:extLst>
           </p:cNvPr>
@@ -3687,16 +3812,8 @@
         </p:nvSpPr>
         <p:spPr/>
         <p:txBody>
-          <a:bodyPr>
-            <a:normAutofit fontScale="92500" lnSpcReduction="10000"/>
-          </a:bodyPr>
-          <a:lstStyle/>
-          <a:p>
-            <a:r>
-              <a:rPr lang="en-US" dirty="0"/>
-              <a:t>Sampled 20000 bootstrap samples from original 226 shows data, but this time in pairs so now we  should be violating the independence assumption again.</a:t>
-            </a:r>
-          </a:p>
+          <a:bodyPr/>
+          <a:lstStyle/>
           <a:p>
             <a:r>
               <a:rPr lang="en-US" dirty="0"/>
@@ -3708,7 +3825,7 @@
             </a:r>
             <a:r>
               <a:rPr lang="en-US" dirty="0"/>
-              <a:t> sampling this way was .431 (.30). A bit greater than the Mean p </a:t>
+              <a:t> from 20000 two-sample t-tests on bootstrap samples was .427 (.30).  This seems substantially lower than our original calculated p </a:t>
             </a:r>
             <a:r>
               <a:rPr lang="en-US" dirty="0" err="1"/>
@@ -3716,38 +3833,21 @@
             </a:r>
             <a:r>
               <a:rPr lang="en-US" dirty="0"/>
-              <a:t> of .427(.30) when sampling independently.</a:t>
+              <a:t> of .462.</a:t>
             </a:r>
           </a:p>
           <a:p>
             <a:r>
               <a:rPr lang="en-US" dirty="0"/>
-              <a:t>The fact that there is a noticeable difference in mean p value despite such large sample sizes seems to indicate that sampling independently instead of in pairs has an impact on the analysis.  </a:t>
-            </a:r>
-          </a:p>
-          <a:p>
-            <a:r>
-              <a:rPr lang="en-US" dirty="0"/>
-              <a:t>Difference in mean p </a:t>
-            </a:r>
-            <a:r>
-              <a:rPr lang="en-US" dirty="0" err="1"/>
-              <a:t>vals</a:t>
-            </a:r>
-            <a:r>
-              <a:rPr lang="en-US" dirty="0"/>
-              <a:t> isn’t huge, which could indicate that a paired samples t-test isn’t being impacted too much data due to failing the independence assumption in this case.  This supports the viability of its use on the original data set.</a:t>
-            </a:r>
-          </a:p>
-          <a:p>
-            <a:endParaRPr lang="en-US" dirty="0"/>
+              <a:t> Still no statistically significant evidence of difference in population means between season 1 and season 2, so our interpretation of the results does not change.</a:t>
+            </a:r>
           </a:p>
         </p:txBody>
       </p:sp>
     </p:spTree>
     <p:extLst>
       <p:ext uri="{BB962C8B-B14F-4D97-AF65-F5344CB8AC3E}">
-        <p14:creationId xmlns:p14="http://schemas.microsoft.com/office/powerpoint/2010/main" val="2432020139"/>
+        <p14:creationId xmlns:p14="http://schemas.microsoft.com/office/powerpoint/2010/main" val="3568464628"/>
       </p:ext>
     </p:extLst>
   </p:cSld>
@@ -3779,7 +3879,7 @@
           <p:cNvPr id="2" name="Title 1">
             <a:extLst>
               <a:ext uri="{FF2B5EF4-FFF2-40B4-BE49-F238E27FC236}">
-                <a16:creationId xmlns:a16="http://schemas.microsoft.com/office/drawing/2014/main" id="{05D111AA-1789-4897-AE4D-753B0A92333B}"/>
+                <a16:creationId xmlns:a16="http://schemas.microsoft.com/office/drawing/2014/main" id="{7499F57B-C6F3-45F4-98BB-5B6882C5F274}"/>
               </a:ext>
             </a:extLst>
           </p:cNvPr>
@@ -3797,7 +3897,7 @@
           <a:p>
             <a:r>
               <a:rPr lang="en-US" dirty="0"/>
-              <a:t>Next Steps</a:t>
+              <a:t>Bootstrap Sampling Cont.</a:t>
             </a:r>
           </a:p>
         </p:txBody>
@@ -3807,7 +3907,7 @@
           <p:cNvPr id="3" name="Content Placeholder 2">
             <a:extLst>
               <a:ext uri="{FF2B5EF4-FFF2-40B4-BE49-F238E27FC236}">
-                <a16:creationId xmlns:a16="http://schemas.microsoft.com/office/drawing/2014/main" id="{617DE4A2-DDF2-4D3D-B625-F1A13438CE22}"/>
+                <a16:creationId xmlns:a16="http://schemas.microsoft.com/office/drawing/2014/main" id="{C747F49B-95DB-40E3-855A-E19424E2E136}"/>
               </a:ext>
             </a:extLst>
           </p:cNvPr>
@@ -3820,38 +3920,67 @@
         </p:nvSpPr>
         <p:spPr/>
         <p:txBody>
-          <a:bodyPr/>
+          <a:bodyPr>
+            <a:normAutofit fontScale="92500" lnSpcReduction="10000"/>
+          </a:bodyPr>
           <a:lstStyle/>
           <a:p>
             <a:r>
               <a:rPr lang="en-US" dirty="0"/>
-              <a:t>Make plot of confidence intervals of the 1000 bootstrapped samples</a:t>
+              <a:t>Sampled 20000 bootstrap samples from original 226 shows data, but this time in pairs so now we  should be violating the independence assumption again.</a:t>
+            </a:r>
+          </a:p>
+          <a:p>
+            <a:r>
+              <a:rPr lang="en-US" dirty="0"/>
+              <a:t>Mean p </a:t>
+            </a:r>
+            <a:r>
+              <a:rPr lang="en-US" dirty="0" err="1"/>
+              <a:t>val</a:t>
+            </a:r>
+            <a:r>
+              <a:rPr lang="en-US" dirty="0"/>
+              <a:t> sampling this way was .431 (.30). A bit greater than the Mean p </a:t>
+            </a:r>
+            <a:r>
+              <a:rPr lang="en-US" dirty="0" err="1"/>
+              <a:t>val</a:t>
+            </a:r>
+            <a:r>
+              <a:rPr lang="en-US" dirty="0"/>
+              <a:t> of .427(.30) when sampling independently.</a:t>
+            </a:r>
+          </a:p>
+          <a:p>
+            <a:r>
+              <a:rPr lang="en-US" dirty="0"/>
+              <a:t>The fact that there is a noticeable difference in mean p value despite such large sample sizes seems to indicate that sampling independently instead of in pairs has an impact on the analysis.  </a:t>
+            </a:r>
+          </a:p>
+          <a:p>
+            <a:r>
+              <a:rPr lang="en-US" dirty="0"/>
+              <a:t>Difference in mean p </a:t>
+            </a:r>
+            <a:r>
+              <a:rPr lang="en-US" dirty="0" err="1"/>
+              <a:t>vals</a:t>
+            </a:r>
+            <a:r>
+              <a:rPr lang="en-US" dirty="0"/>
+              <a:t> isn’t huge, which could indicate that a paired samples t-test isn’t being impacted too much data due to failing the independence assumption in this case.  This supports the viability of its use on the original data set.</a:t>
             </a:r>
           </a:p>
           <a:p>
             <a:endParaRPr lang="en-US" dirty="0"/>
-          </a:p>
-          <a:p>
-            <a:r>
-              <a:rPr lang="en-US" dirty="0"/>
-              <a:t>Try bootstrap Sampling in pairs instead of independently and see how this impacts the results.</a:t>
-            </a:r>
-          </a:p>
-          <a:p>
-            <a:endParaRPr lang="en-US" dirty="0"/>
-          </a:p>
-          <a:p>
-            <a:r>
-              <a:rPr lang="en-US" dirty="0"/>
-              <a:t>Work with various assumptions applied and sample from various distributions instead.  Compare the confidence intervals that result from these methods</a:t>
-            </a:r>
           </a:p>
         </p:txBody>
       </p:sp>
     </p:spTree>
     <p:extLst>
       <p:ext uri="{BB962C8B-B14F-4D97-AF65-F5344CB8AC3E}">
-        <p14:creationId xmlns:p14="http://schemas.microsoft.com/office/powerpoint/2010/main" val="1116559384"/>
+        <p14:creationId xmlns:p14="http://schemas.microsoft.com/office/powerpoint/2010/main" val="2432020139"/>
       </p:ext>
     </p:extLst>
   </p:cSld>
@@ -6309,6 +6438,211 @@
           <p:cNvPr id="2" name="Title 1">
             <a:extLst>
               <a:ext uri="{FF2B5EF4-FFF2-40B4-BE49-F238E27FC236}">
+                <a16:creationId xmlns:a16="http://schemas.microsoft.com/office/drawing/2014/main" id="{52539EA8-A158-496F-9802-A07053DE0047}"/>
+              </a:ext>
+            </a:extLst>
+          </p:cNvPr>
+          <p:cNvSpPr>
+            <a:spLocks noGrp="1"/>
+          </p:cNvSpPr>
+          <p:nvPr>
+            <p:ph type="title"/>
+          </p:nvPr>
+        </p:nvSpPr>
+        <p:spPr/>
+        <p:txBody>
+          <a:bodyPr/>
+          <a:lstStyle/>
+          <a:p>
+            <a:r>
+              <a:rPr lang="en-US" dirty="0"/>
+              <a:t>Exploratory Analysis Cont.</a:t>
+            </a:r>
+          </a:p>
+        </p:txBody>
+      </p:sp>
+      <p:pic>
+        <p:nvPicPr>
+          <p:cNvPr id="4" name="Content Placeholder 4" descr="Chart, pie chart&#10;&#10;Description automatically generated">
+            <a:extLst>
+              <a:ext uri="{FF2B5EF4-FFF2-40B4-BE49-F238E27FC236}">
+                <a16:creationId xmlns:a16="http://schemas.microsoft.com/office/drawing/2014/main" id="{4C67C7CA-1AF8-4C89-9FD0-8EBC5036EAD8}"/>
+              </a:ext>
+            </a:extLst>
+          </p:cNvPr>
+          <p:cNvPicPr>
+            <a:picLocks noChangeAspect="1"/>
+          </p:cNvPicPr>
+          <p:nvPr/>
+        </p:nvPicPr>
+        <p:blipFill>
+          <a:blip r:embed="rId2">
+            <a:extLst>
+              <a:ext uri="{28A0092B-C50C-407E-A947-70E740481C1C}">
+                <a14:useLocalDpi xmlns:a14="http://schemas.microsoft.com/office/drawing/2010/main" val="0"/>
+              </a:ext>
+            </a:extLst>
+          </a:blip>
+          <a:stretch>
+            <a:fillRect/>
+          </a:stretch>
+        </p:blipFill>
+        <p:spPr>
+          <a:xfrm>
+            <a:off x="952500" y="1690688"/>
+            <a:ext cx="4058687" cy="4023701"/>
+          </a:xfrm>
+          <a:prstGeom prst="rect">
+            <a:avLst/>
+          </a:prstGeom>
+        </p:spPr>
+      </p:pic>
+      <p:pic>
+        <p:nvPicPr>
+          <p:cNvPr id="5" name="Picture 4" descr="Chart, pie chart&#10;&#10;Description automatically generated">
+            <a:extLst>
+              <a:ext uri="{FF2B5EF4-FFF2-40B4-BE49-F238E27FC236}">
+                <a16:creationId xmlns:a16="http://schemas.microsoft.com/office/drawing/2014/main" id="{7A8B01FD-366D-429E-B8A0-D6F861CDB176}"/>
+              </a:ext>
+            </a:extLst>
+          </p:cNvPr>
+          <p:cNvPicPr>
+            <a:picLocks noChangeAspect="1"/>
+          </p:cNvPicPr>
+          <p:nvPr/>
+        </p:nvPicPr>
+        <p:blipFill>
+          <a:blip r:embed="rId3">
+            <a:extLst>
+              <a:ext uri="{28A0092B-C50C-407E-A947-70E740481C1C}">
+                <a14:useLocalDpi xmlns:a14="http://schemas.microsoft.com/office/drawing/2010/main" val="0"/>
+              </a:ext>
+            </a:extLst>
+          </a:blip>
+          <a:stretch>
+            <a:fillRect/>
+          </a:stretch>
+        </p:blipFill>
+        <p:spPr>
+          <a:xfrm>
+            <a:off x="6310880" y="1624090"/>
+            <a:ext cx="4193039" cy="4156895"/>
+          </a:xfrm>
+          <a:prstGeom prst="rect">
+            <a:avLst/>
+          </a:prstGeom>
+        </p:spPr>
+      </p:pic>
+      <p:sp>
+        <p:nvSpPr>
+          <p:cNvPr id="6" name="TextBox 5">
+            <a:extLst>
+              <a:ext uri="{FF2B5EF4-FFF2-40B4-BE49-F238E27FC236}">
+                <a16:creationId xmlns:a16="http://schemas.microsoft.com/office/drawing/2014/main" id="{F44B1B02-1CB1-463C-AA9B-5779E2AB137D}"/>
+              </a:ext>
+            </a:extLst>
+          </p:cNvPr>
+          <p:cNvSpPr txBox="1"/>
+          <p:nvPr/>
+        </p:nvSpPr>
+        <p:spPr>
+          <a:xfrm>
+            <a:off x="1257008" y="6225363"/>
+            <a:ext cx="3314992" cy="369332"/>
+          </a:xfrm>
+          <a:prstGeom prst="rect">
+            <a:avLst/>
+          </a:prstGeom>
+          <a:noFill/>
+        </p:spPr>
+        <p:txBody>
+          <a:bodyPr wrap="square" rtlCol="0">
+            <a:spAutoFit/>
+          </a:bodyPr>
+          <a:lstStyle/>
+          <a:p>
+            <a:r>
+              <a:rPr lang="en-US" dirty="0"/>
+              <a:t>Season-1 Pie Chart for Avg ratings</a:t>
+            </a:r>
+            <a:endParaRPr lang="en-IN" dirty="0"/>
+          </a:p>
+        </p:txBody>
+      </p:sp>
+      <p:sp>
+        <p:nvSpPr>
+          <p:cNvPr id="7" name="TextBox 6">
+            <a:extLst>
+              <a:ext uri="{FF2B5EF4-FFF2-40B4-BE49-F238E27FC236}">
+                <a16:creationId xmlns:a16="http://schemas.microsoft.com/office/drawing/2014/main" id="{4FC98A18-8F46-49D0-87E7-599675F96D09}"/>
+              </a:ext>
+            </a:extLst>
+          </p:cNvPr>
+          <p:cNvSpPr txBox="1"/>
+          <p:nvPr/>
+        </p:nvSpPr>
+        <p:spPr>
+          <a:xfrm>
+            <a:off x="6619240" y="6225363"/>
+            <a:ext cx="3576320" cy="646331"/>
+          </a:xfrm>
+          <a:prstGeom prst="rect">
+            <a:avLst/>
+          </a:prstGeom>
+          <a:noFill/>
+        </p:spPr>
+        <p:txBody>
+          <a:bodyPr wrap="square" rtlCol="0">
+            <a:spAutoFit/>
+          </a:bodyPr>
+          <a:lstStyle/>
+          <a:p>
+            <a:r>
+              <a:rPr lang="en-US" dirty="0"/>
+              <a:t>Season-2 Pie Chart for Avg ratings</a:t>
+            </a:r>
+            <a:endParaRPr lang="en-IN" dirty="0"/>
+          </a:p>
+          <a:p>
+            <a:endParaRPr lang="en-IN" dirty="0"/>
+          </a:p>
+        </p:txBody>
+      </p:sp>
+    </p:spTree>
+    <p:extLst>
+      <p:ext uri="{BB962C8B-B14F-4D97-AF65-F5344CB8AC3E}">
+        <p14:creationId xmlns:p14="http://schemas.microsoft.com/office/powerpoint/2010/main" val="3378701454"/>
+      </p:ext>
+    </p:extLst>
+  </p:cSld>
+  <p:clrMapOvr>
+    <a:masterClrMapping/>
+  </p:clrMapOvr>
+</p:sld>
+</file>
+
+<file path=ppt/slides/slide8.xml><?xml version="1.0" encoding="utf-8"?>
+<p:sld xmlns:a="http://schemas.openxmlformats.org/drawingml/2006/main" xmlns:r="http://schemas.openxmlformats.org/officeDocument/2006/relationships" xmlns:p="http://schemas.openxmlformats.org/presentationml/2006/main">
+  <p:cSld>
+    <p:spTree>
+      <p:nvGrpSpPr>
+        <p:cNvPr id="1" name=""/>
+        <p:cNvGrpSpPr/>
+        <p:nvPr/>
+      </p:nvGrpSpPr>
+      <p:grpSpPr>
+        <a:xfrm>
+          <a:off x="0" y="0"/>
+          <a:ext cx="0" cy="0"/>
+          <a:chOff x="0" y="0"/>
+          <a:chExt cx="0" cy="0"/>
+        </a:xfrm>
+      </p:grpSpPr>
+      <p:sp>
+        <p:nvSpPr>
+          <p:cNvPr id="2" name="Title 1">
+            <a:extLst>
+              <a:ext uri="{FF2B5EF4-FFF2-40B4-BE49-F238E27FC236}">
                 <a16:creationId xmlns:a16="http://schemas.microsoft.com/office/drawing/2014/main" id="{9E5DFA6D-CD51-4530-A0A4-309DA1A83038}"/>
               </a:ext>
             </a:extLst>
@@ -6466,7 +6800,7 @@
 </p:sld>
 </file>
 
-<file path=ppt/slides/slide8.xml><?xml version="1.0" encoding="utf-8"?>
+<file path=ppt/slides/slide9.xml><?xml version="1.0" encoding="utf-8"?>
 <p:sld xmlns:a="http://schemas.openxmlformats.org/drawingml/2006/main" xmlns:r="http://schemas.openxmlformats.org/officeDocument/2006/relationships" xmlns:p="http://schemas.openxmlformats.org/presentationml/2006/main">
   <p:cSld>
     <p:spTree>
@@ -6651,148 +6985,6 @@
     <p:extLst>
       <p:ext uri="{BB962C8B-B14F-4D97-AF65-F5344CB8AC3E}">
         <p14:creationId xmlns:p14="http://schemas.microsoft.com/office/powerpoint/2010/main" val="263045210"/>
-      </p:ext>
-    </p:extLst>
-  </p:cSld>
-  <p:clrMapOvr>
-    <a:masterClrMapping/>
-  </p:clrMapOvr>
-</p:sld>
-</file>
-
-<file path=ppt/slides/slide9.xml><?xml version="1.0" encoding="utf-8"?>
-<p:sld xmlns:a="http://schemas.openxmlformats.org/drawingml/2006/main" xmlns:r="http://schemas.openxmlformats.org/officeDocument/2006/relationships" xmlns:p="http://schemas.openxmlformats.org/presentationml/2006/main">
-  <p:cSld>
-    <p:spTree>
-      <p:nvGrpSpPr>
-        <p:cNvPr id="1" name=""/>
-        <p:cNvGrpSpPr/>
-        <p:nvPr/>
-      </p:nvGrpSpPr>
-      <p:grpSpPr>
-        <a:xfrm>
-          <a:off x="0" y="0"/>
-          <a:ext cx="0" cy="0"/>
-          <a:chOff x="0" y="0"/>
-          <a:chExt cx="0" cy="0"/>
-        </a:xfrm>
-      </p:grpSpPr>
-      <p:sp>
-        <p:nvSpPr>
-          <p:cNvPr id="2" name="Title 1">
-            <a:extLst>
-              <a:ext uri="{FF2B5EF4-FFF2-40B4-BE49-F238E27FC236}">
-                <a16:creationId xmlns:a16="http://schemas.microsoft.com/office/drawing/2014/main" id="{E901A6C3-F72A-497A-8E3E-CEF2E243711C}"/>
-              </a:ext>
-            </a:extLst>
-          </p:cNvPr>
-          <p:cNvSpPr>
-            <a:spLocks noGrp="1"/>
-          </p:cNvSpPr>
-          <p:nvPr>
-            <p:ph type="title"/>
-          </p:nvPr>
-        </p:nvSpPr>
-        <p:spPr/>
-        <p:txBody>
-          <a:bodyPr/>
-          <a:lstStyle/>
-          <a:p>
-            <a:r>
-              <a:rPr lang="en-US" dirty="0"/>
-              <a:t>Two-Sample T Test Results</a:t>
-            </a:r>
-          </a:p>
-        </p:txBody>
-      </p:sp>
-      <p:pic>
-        <p:nvPicPr>
-          <p:cNvPr id="6" name="Content Placeholder 5" descr="Text, letter&#10;&#10;Description automatically generated">
-            <a:extLst>
-              <a:ext uri="{FF2B5EF4-FFF2-40B4-BE49-F238E27FC236}">
-                <a16:creationId xmlns:a16="http://schemas.microsoft.com/office/drawing/2014/main" id="{0CAA84E1-555A-4572-936B-19299817F9C9}"/>
-              </a:ext>
-            </a:extLst>
-          </p:cNvPr>
-          <p:cNvPicPr>
-            <a:picLocks noGrp="1" noChangeAspect="1"/>
-          </p:cNvPicPr>
-          <p:nvPr>
-            <p:ph idx="1"/>
-          </p:nvPr>
-        </p:nvPicPr>
-        <p:blipFill>
-          <a:blip r:embed="rId2">
-            <a:extLst>
-              <a:ext uri="{28A0092B-C50C-407E-A947-70E740481C1C}">
-                <a14:useLocalDpi xmlns:a14="http://schemas.microsoft.com/office/drawing/2010/main" val="0"/>
-              </a:ext>
-            </a:extLst>
-          </a:blip>
-          <a:stretch>
-            <a:fillRect/>
-          </a:stretch>
-        </p:blipFill>
-        <p:spPr>
-          <a:xfrm>
-            <a:off x="2785600" y="1690688"/>
-            <a:ext cx="6620799" cy="2448267"/>
-          </a:xfrm>
-        </p:spPr>
-      </p:pic>
-      <p:sp>
-        <p:nvSpPr>
-          <p:cNvPr id="7" name="TextBox 6">
-            <a:extLst>
-              <a:ext uri="{FF2B5EF4-FFF2-40B4-BE49-F238E27FC236}">
-                <a16:creationId xmlns:a16="http://schemas.microsoft.com/office/drawing/2014/main" id="{F02D071F-AA99-4D7F-A54E-E2C18DEE2F4C}"/>
-              </a:ext>
-            </a:extLst>
-          </p:cNvPr>
-          <p:cNvSpPr txBox="1"/>
-          <p:nvPr/>
-        </p:nvSpPr>
-        <p:spPr>
-          <a:xfrm>
-            <a:off x="2235200" y="4329854"/>
-            <a:ext cx="7545493" cy="1477328"/>
-          </a:xfrm>
-          <a:prstGeom prst="rect">
-            <a:avLst/>
-          </a:prstGeom>
-          <a:noFill/>
-        </p:spPr>
-        <p:txBody>
-          <a:bodyPr wrap="square" rtlCol="0">
-            <a:spAutoFit/>
-          </a:bodyPr>
-          <a:lstStyle/>
-          <a:p>
-            <a:r>
-              <a:rPr lang="en-US" dirty="0"/>
-              <a:t>We do not find statistically Significant evidence of a difference in population mean rating between first and second seasons of tv shows.  </a:t>
-            </a:r>
-          </a:p>
-          <a:p>
-            <a:endParaRPr lang="en-US" dirty="0"/>
-          </a:p>
-          <a:p>
-            <a:r>
-              <a:rPr lang="en-US" dirty="0"/>
-              <a:t>It could be worth trying to run this analysis again in the future if we have a larger pool of data than </a:t>
-            </a:r>
-            <a:r>
-              <a:rPr lang="en-US"/>
-              <a:t>226 observations.</a:t>
-            </a:r>
-            <a:endParaRPr lang="en-US" dirty="0"/>
-          </a:p>
-        </p:txBody>
-      </p:sp>
-    </p:spTree>
-    <p:extLst>
-      <p:ext uri="{BB962C8B-B14F-4D97-AF65-F5344CB8AC3E}">
-        <p14:creationId xmlns:p14="http://schemas.microsoft.com/office/powerpoint/2010/main" val="1210001283"/>
       </p:ext>
     </p:extLst>
   </p:cSld>

--- a/Stat400_Presentation_updated.pptx
+++ b/Stat400_Presentation_updated.pptx
@@ -28,8 +28,8 @@
     <p:sldId id="274" r:id="rId22"/>
     <p:sldId id="275" r:id="rId23"/>
     <p:sldId id="277" r:id="rId24"/>
-    <p:sldId id="278" r:id="rId25"/>
-    <p:sldId id="279" r:id="rId26"/>
+    <p:sldId id="279" r:id="rId25"/>
+    <p:sldId id="278" r:id="rId26"/>
   </p:sldIdLst>
   <p:sldSz cx="12192000" cy="6858000"/>
   <p:notesSz cx="6858000" cy="9144000"/>
@@ -149,7 +149,7 @@
   <pc:docChgLst>
     <pc:chgData name="dan" userId="52998601ba1e9464" providerId="LiveId" clId="{3F087448-FFBA-41C3-9F8B-3790D3B1B076}"/>
     <pc:docChg chg="undo custSel addSld delSld modSld sldOrd">
-      <pc:chgData name="dan" userId="52998601ba1e9464" providerId="LiveId" clId="{3F087448-FFBA-41C3-9F8B-3790D3B1B076}" dt="2021-12-09T15:22:56.450" v="55" actId="2696"/>
+      <pc:chgData name="dan" userId="52998601ba1e9464" providerId="LiveId" clId="{3F087448-FFBA-41C3-9F8B-3790D3B1B076}" dt="2021-12-09T15:38:37.633" v="950" actId="20577"/>
       <pc:docMkLst>
         <pc:docMk/>
       </pc:docMkLst>
@@ -160,11 +160,56 @@
           <pc:sldMk cId="1289069313" sldId="257"/>
         </pc:sldMkLst>
       </pc:sldChg>
+      <pc:sldChg chg="modSp mod">
+        <pc:chgData name="dan" userId="52998601ba1e9464" providerId="LiveId" clId="{3F087448-FFBA-41C3-9F8B-3790D3B1B076}" dt="2021-12-09T15:38:37.633" v="950" actId="20577"/>
+        <pc:sldMkLst>
+          <pc:docMk/>
+          <pc:sldMk cId="1210001283" sldId="263"/>
+        </pc:sldMkLst>
+        <pc:spChg chg="mod">
+          <ac:chgData name="dan" userId="52998601ba1e9464" providerId="LiveId" clId="{3F087448-FFBA-41C3-9F8B-3790D3B1B076}" dt="2021-12-09T15:38:37.633" v="950" actId="20577"/>
+          <ac:spMkLst>
+            <pc:docMk/>
+            <pc:sldMk cId="1210001283" sldId="263"/>
+            <ac:spMk id="7" creationId="{F02D071F-AA99-4D7F-A54E-E2C18DEE2F4C}"/>
+          </ac:spMkLst>
+        </pc:spChg>
+      </pc:sldChg>
       <pc:sldChg chg="del">
         <pc:chgData name="dan" userId="52998601ba1e9464" providerId="LiveId" clId="{3F087448-FFBA-41C3-9F8B-3790D3B1B076}" dt="2021-12-09T15:22:56.450" v="55" actId="2696"/>
         <pc:sldMkLst>
           <pc:docMk/>
           <pc:sldMk cId="1116559384" sldId="264"/>
+        </pc:sldMkLst>
+      </pc:sldChg>
+      <pc:sldChg chg="delSp modSp mod">
+        <pc:chgData name="dan" userId="52998601ba1e9464" providerId="LiveId" clId="{3F087448-FFBA-41C3-9F8B-3790D3B1B076}" dt="2021-12-09T15:37:07.502" v="946" actId="478"/>
+        <pc:sldMkLst>
+          <pc:docMk/>
+          <pc:sldMk cId="3496133394" sldId="278"/>
+        </pc:sldMkLst>
+        <pc:spChg chg="mod">
+          <ac:chgData name="dan" userId="52998601ba1e9464" providerId="LiveId" clId="{3F087448-FFBA-41C3-9F8B-3790D3B1B076}" dt="2021-12-09T15:37:04.391" v="945" actId="20577"/>
+          <ac:spMkLst>
+            <pc:docMk/>
+            <pc:sldMk cId="3496133394" sldId="278"/>
+            <ac:spMk id="2" creationId="{F7227103-21B0-4DCD-885E-91FF579F4601}"/>
+          </ac:spMkLst>
+        </pc:spChg>
+        <pc:spChg chg="del mod">
+          <ac:chgData name="dan" userId="52998601ba1e9464" providerId="LiveId" clId="{3F087448-FFBA-41C3-9F8B-3790D3B1B076}" dt="2021-12-09T15:37:07.502" v="946" actId="478"/>
+          <ac:spMkLst>
+            <pc:docMk/>
+            <pc:sldMk cId="3496133394" sldId="278"/>
+            <ac:spMk id="3" creationId="{D3807B2E-D348-43A1-98A0-74E23361259B}"/>
+          </ac:spMkLst>
+        </pc:spChg>
+      </pc:sldChg>
+      <pc:sldChg chg="ord">
+        <pc:chgData name="dan" userId="52998601ba1e9464" providerId="LiveId" clId="{3F087448-FFBA-41C3-9F8B-3790D3B1B076}" dt="2021-12-09T15:38:15.837" v="948"/>
+        <pc:sldMkLst>
+          <pc:docMk/>
+          <pc:sldMk cId="1023941711" sldId="279"/>
         </pc:sldMkLst>
       </pc:sldChg>
       <pc:sldChg chg="addSp delSp modSp new mod ord">
@@ -3625,7 +3670,7 @@
           <a:p>
             <a:r>
               <a:rPr lang="en-US" dirty="0"/>
-              <a:t>We do not find statistically Significant evidence of a difference in population mean rating between first and second seasons of tv shows.  </a:t>
+              <a:t>We do not find statistically significant evidence of a difference in population mean rating between first and second seasons of tv shows.  </a:t>
             </a:r>
           </a:p>
           <a:p>
@@ -3634,13 +3679,8 @@
           <a:p>
             <a:r>
               <a:rPr lang="en-US" dirty="0"/>
-              <a:t>It could be worth trying to run this analysis again in the future if we have a larger pool of data than </a:t>
-            </a:r>
-            <a:r>
-              <a:rPr lang="en-US"/>
-              <a:t>226 observations.</a:t>
-            </a:r>
-            <a:endParaRPr lang="en-US" dirty="0"/>
+              <a:t>It could be worth trying to run this analysis again in the future if we have a larger pool of data than 226 observations.</a:t>
+            </a:r>
           </a:p>
         </p:txBody>
       </p:sp>
@@ -5730,7 +5770,7 @@
           <p:cNvPr id="2" name="Title 1">
             <a:extLst>
               <a:ext uri="{FF2B5EF4-FFF2-40B4-BE49-F238E27FC236}">
-                <a16:creationId xmlns:a16="http://schemas.microsoft.com/office/drawing/2014/main" id="{F7227103-21B0-4DCD-885E-91FF579F4601}"/>
+                <a16:creationId xmlns:a16="http://schemas.microsoft.com/office/drawing/2014/main" id="{C26E1F16-6133-478C-8C07-AC43CAEDCD70}"/>
               </a:ext>
             </a:extLst>
           </p:cNvPr>
@@ -5748,17 +5788,17 @@
           <a:p>
             <a:r>
               <a:rPr lang="en-US" dirty="0"/>
-              <a:t>Conclusion</a:t>
-            </a:r>
-          </a:p>
-        </p:txBody>
-      </p:sp>
-      <p:sp>
-        <p:nvSpPr>
-          <p:cNvPr id="3" name="Content Placeholder 2">
-            <a:extLst>
-              <a:ext uri="{FF2B5EF4-FFF2-40B4-BE49-F238E27FC236}">
-                <a16:creationId xmlns:a16="http://schemas.microsoft.com/office/drawing/2014/main" id="{D3807B2E-D348-43A1-98A0-74E23361259B}"/>
+              <a:t>References</a:t>
+            </a:r>
+          </a:p>
+        </p:txBody>
+      </p:sp>
+      <p:sp>
+        <p:nvSpPr>
+          <p:cNvPr id="6" name="Content Placeholder 5">
+            <a:extLst>
+              <a:ext uri="{FF2B5EF4-FFF2-40B4-BE49-F238E27FC236}">
+                <a16:creationId xmlns:a16="http://schemas.microsoft.com/office/drawing/2014/main" id="{DDD3947F-DD19-406B-B841-9AA660F96B69}"/>
               </a:ext>
             </a:extLst>
           </p:cNvPr>
@@ -5771,17 +5811,74 @@
         </p:nvSpPr>
         <p:spPr/>
         <p:txBody>
-          <a:bodyPr/>
-          <a:lstStyle/>
-          <a:p>
-            <a:endParaRPr lang="en-US"/>
+          <a:bodyPr>
+            <a:normAutofit/>
+          </a:bodyPr>
+          <a:lstStyle/>
+          <a:p>
+            <a:r>
+              <a:rPr lang="en-US" sz="2000" i="1" dirty="0"/>
+              <a:t>IMDb(2021). </a:t>
+            </a:r>
+            <a:r>
+              <a:rPr lang="en-US" sz="2000" dirty="0"/>
+              <a:t>TV Series (Sorted by Popularity Ascending). https://www.imdb.com/search/title/?title_type=tv_series</a:t>
+            </a:r>
+          </a:p>
+          <a:p>
+            <a:r>
+              <a:rPr lang="en-US" sz="2000" dirty="0"/>
+              <a:t>R Core Team (2019). R: A language and environment for statistical computing. R Foundation for Statistical Computing, Vienna, Austria. URL https://www.R-project.org/.</a:t>
+            </a:r>
+          </a:p>
+          <a:p>
+            <a:r>
+              <a:rPr lang="en-US" sz="2000" dirty="0"/>
+              <a:t>RStudio Team (2020). RStudio: Integrated Development for R. RStudio, PBC, Boston, MA URL http://www.rstudio.com/.</a:t>
+            </a:r>
+          </a:p>
+          <a:p>
+            <a:r>
+              <a:rPr lang="en-US" sz="2000" dirty="0"/>
+              <a:t>Wickham et al., (2019). Welcome to the </a:t>
+            </a:r>
+            <a:r>
+              <a:rPr lang="en-US" sz="2000" dirty="0" err="1"/>
+              <a:t>tidyverse</a:t>
+            </a:r>
+            <a:r>
+              <a:rPr lang="en-US" sz="2000" dirty="0"/>
+              <a:t>. Journal of Open Source Software, 4(43), 1686, https://doi.org/10.21105/joss.01686</a:t>
+            </a:r>
+          </a:p>
+          <a:p>
+            <a:r>
+              <a:rPr lang="en-US" sz="2000" dirty="0" err="1"/>
+              <a:t>Xie</a:t>
+            </a:r>
+            <a:r>
+              <a:rPr lang="en-US" sz="2000" dirty="0"/>
+              <a:t> Y (2021). </a:t>
+            </a:r>
+            <a:r>
+              <a:rPr lang="en-US" sz="2000" i="1" dirty="0" err="1"/>
+              <a:t>knitr</a:t>
+            </a:r>
+            <a:r>
+              <a:rPr lang="en-US" sz="2000" i="1" dirty="0"/>
+              <a:t>: A General-Purpose Package for Dynamic Report Generation in R</a:t>
+            </a:r>
+            <a:r>
+              <a:rPr lang="en-US" sz="2000" dirty="0"/>
+              <a:t>. R package version 1.36, https://yihui.org/knitr/. </a:t>
+            </a:r>
           </a:p>
         </p:txBody>
       </p:sp>
     </p:spTree>
     <p:extLst>
       <p:ext uri="{BB962C8B-B14F-4D97-AF65-F5344CB8AC3E}">
-        <p14:creationId xmlns:p14="http://schemas.microsoft.com/office/powerpoint/2010/main" val="3496133394"/>
+        <p14:creationId xmlns:p14="http://schemas.microsoft.com/office/powerpoint/2010/main" val="1023941711"/>
       </p:ext>
     </p:extLst>
   </p:cSld>
@@ -5813,7 +5910,7 @@
           <p:cNvPr id="2" name="Title 1">
             <a:extLst>
               <a:ext uri="{FF2B5EF4-FFF2-40B4-BE49-F238E27FC236}">
-                <a16:creationId xmlns:a16="http://schemas.microsoft.com/office/drawing/2014/main" id="{C26E1F16-6133-478C-8C07-AC43CAEDCD70}"/>
+                <a16:creationId xmlns:a16="http://schemas.microsoft.com/office/drawing/2014/main" id="{F7227103-21B0-4DCD-885E-91FF579F4601}"/>
               </a:ext>
             </a:extLst>
           </p:cNvPr>
@@ -5831,89 +5928,7 @@
           <a:p>
             <a:r>
               <a:rPr lang="en-US" dirty="0"/>
-              <a:t>References</a:t>
-            </a:r>
-          </a:p>
-        </p:txBody>
-      </p:sp>
-      <p:sp>
-        <p:nvSpPr>
-          <p:cNvPr id="6" name="Content Placeholder 5">
-            <a:extLst>
-              <a:ext uri="{FF2B5EF4-FFF2-40B4-BE49-F238E27FC236}">
-                <a16:creationId xmlns:a16="http://schemas.microsoft.com/office/drawing/2014/main" id="{DDD3947F-DD19-406B-B841-9AA660F96B69}"/>
-              </a:ext>
-            </a:extLst>
-          </p:cNvPr>
-          <p:cNvSpPr>
-            <a:spLocks noGrp="1"/>
-          </p:cNvSpPr>
-          <p:nvPr>
-            <p:ph idx="1"/>
-          </p:nvPr>
-        </p:nvSpPr>
-        <p:spPr/>
-        <p:txBody>
-          <a:bodyPr>
-            <a:normAutofit/>
-          </a:bodyPr>
-          <a:lstStyle/>
-          <a:p>
-            <a:r>
-              <a:rPr lang="en-US" sz="2000" i="1" dirty="0"/>
-              <a:t>IMDb(2021). </a:t>
-            </a:r>
-            <a:r>
-              <a:rPr lang="en-US" sz="2000" dirty="0"/>
-              <a:t>TV Series (Sorted by Popularity Ascending). https://www.imdb.com/search/title/?title_type=tv_series</a:t>
-            </a:r>
-          </a:p>
-          <a:p>
-            <a:r>
-              <a:rPr lang="en-US" sz="2000" dirty="0"/>
-              <a:t>R Core Team (2019). R: A language and environment for statistical computing. R Foundation for Statistical Computing, Vienna, Austria. URL https://www.R-project.org/.</a:t>
-            </a:r>
-          </a:p>
-          <a:p>
-            <a:r>
-              <a:rPr lang="en-US" sz="2000" dirty="0"/>
-              <a:t>RStudio Team (2020). RStudio: Integrated Development for R. RStudio, PBC, Boston, MA URL http://www.rstudio.com/.</a:t>
-            </a:r>
-          </a:p>
-          <a:p>
-            <a:r>
-              <a:rPr lang="en-US" sz="2000" dirty="0"/>
-              <a:t>Wickham et al., (2019). Welcome to the </a:t>
-            </a:r>
-            <a:r>
-              <a:rPr lang="en-US" sz="2000" dirty="0" err="1"/>
-              <a:t>tidyverse</a:t>
-            </a:r>
-            <a:r>
-              <a:rPr lang="en-US" sz="2000" dirty="0"/>
-              <a:t>. Journal of Open Source Software, 4(43), 1686, https://doi.org/10.21105/joss.01686</a:t>
-            </a:r>
-          </a:p>
-          <a:p>
-            <a:r>
-              <a:rPr lang="en-US" sz="2000" dirty="0" err="1"/>
-              <a:t>Xie</a:t>
-            </a:r>
-            <a:r>
-              <a:rPr lang="en-US" sz="2000" dirty="0"/>
-              <a:t> Y (2021). </a:t>
-            </a:r>
-            <a:r>
-              <a:rPr lang="en-US" sz="2000" i="1" dirty="0" err="1"/>
-              <a:t>knitr</a:t>
-            </a:r>
-            <a:r>
-              <a:rPr lang="en-US" sz="2000" i="1" dirty="0"/>
-              <a:t>: A General-Purpose Package for Dynamic Report Generation in R</a:t>
-            </a:r>
-            <a:r>
-              <a:rPr lang="en-US" sz="2000" dirty="0"/>
-              <a:t>. R package version 1.36, https://yihui.org/knitr/. </a:t>
+              <a:t>Questions?</a:t>
             </a:r>
           </a:p>
         </p:txBody>
@@ -5921,7 +5936,7 @@
     </p:spTree>
     <p:extLst>
       <p:ext uri="{BB962C8B-B14F-4D97-AF65-F5344CB8AC3E}">
-        <p14:creationId xmlns:p14="http://schemas.microsoft.com/office/powerpoint/2010/main" val="1023941711"/>
+        <p14:creationId xmlns:p14="http://schemas.microsoft.com/office/powerpoint/2010/main" val="3496133394"/>
       </p:ext>
     </p:extLst>
   </p:cSld>

--- a/Stat400_Presentation_updated.pptx
+++ b/Stat400_Presentation_updated.pptx
@@ -134,142 +134,6 @@
     </p:ext>
   </p:extLst>
 </p:presentation>
-</file>
-
-<file path=ppt/revisionInfo.xml><?xml version="1.0" encoding="utf-8"?>
-<p1510:revInfo xmlns:a="http://schemas.openxmlformats.org/drawingml/2006/main" xmlns:r="http://schemas.openxmlformats.org/officeDocument/2006/relationships" xmlns:p1510="http://schemas.microsoft.com/office/powerpoint/2015/10/main">
-  <p1510:revLst>
-    <p1510:client id="{3F087448-FFBA-41C3-9F8B-3790D3B1B076}" v="4" dt="2021-12-09T15:20:25.542"/>
-  </p1510:revLst>
-</p1510:revInfo>
-</file>
-
-<file path=ppt/changesInfos/changesInfo1.xml><?xml version="1.0" encoding="utf-8"?>
-<pc:chgInfo xmlns:a="http://schemas.openxmlformats.org/drawingml/2006/main" xmlns:r="http://schemas.openxmlformats.org/officeDocument/2006/relationships" xmlns:ac="http://schemas.microsoft.com/office/drawing/2013/main/command" xmlns:pc="http://schemas.microsoft.com/office/powerpoint/2013/main/command">
-  <pc:docChgLst>
-    <pc:chgData name="dan" userId="52998601ba1e9464" providerId="LiveId" clId="{3F087448-FFBA-41C3-9F8B-3790D3B1B076}"/>
-    <pc:docChg chg="undo custSel addSld delSld modSld sldOrd">
-      <pc:chgData name="dan" userId="52998601ba1e9464" providerId="LiveId" clId="{3F087448-FFBA-41C3-9F8B-3790D3B1B076}" dt="2021-12-09T15:38:37.633" v="950" actId="20577"/>
-      <pc:docMkLst>
-        <pc:docMk/>
-      </pc:docMkLst>
-      <pc:sldChg chg="ord">
-        <pc:chgData name="dan" userId="52998601ba1e9464" providerId="LiveId" clId="{3F087448-FFBA-41C3-9F8B-3790D3B1B076}" dt="2021-12-09T15:21:16.086" v="54"/>
-        <pc:sldMkLst>
-          <pc:docMk/>
-          <pc:sldMk cId="1289069313" sldId="257"/>
-        </pc:sldMkLst>
-      </pc:sldChg>
-      <pc:sldChg chg="modSp mod">
-        <pc:chgData name="dan" userId="52998601ba1e9464" providerId="LiveId" clId="{3F087448-FFBA-41C3-9F8B-3790D3B1B076}" dt="2021-12-09T15:38:37.633" v="950" actId="20577"/>
-        <pc:sldMkLst>
-          <pc:docMk/>
-          <pc:sldMk cId="1210001283" sldId="263"/>
-        </pc:sldMkLst>
-        <pc:spChg chg="mod">
-          <ac:chgData name="dan" userId="52998601ba1e9464" providerId="LiveId" clId="{3F087448-FFBA-41C3-9F8B-3790D3B1B076}" dt="2021-12-09T15:38:37.633" v="950" actId="20577"/>
-          <ac:spMkLst>
-            <pc:docMk/>
-            <pc:sldMk cId="1210001283" sldId="263"/>
-            <ac:spMk id="7" creationId="{F02D071F-AA99-4D7F-A54E-E2C18DEE2F4C}"/>
-          </ac:spMkLst>
-        </pc:spChg>
-      </pc:sldChg>
-      <pc:sldChg chg="del">
-        <pc:chgData name="dan" userId="52998601ba1e9464" providerId="LiveId" clId="{3F087448-FFBA-41C3-9F8B-3790D3B1B076}" dt="2021-12-09T15:22:56.450" v="55" actId="2696"/>
-        <pc:sldMkLst>
-          <pc:docMk/>
-          <pc:sldMk cId="1116559384" sldId="264"/>
-        </pc:sldMkLst>
-      </pc:sldChg>
-      <pc:sldChg chg="delSp modSp mod">
-        <pc:chgData name="dan" userId="52998601ba1e9464" providerId="LiveId" clId="{3F087448-FFBA-41C3-9F8B-3790D3B1B076}" dt="2021-12-09T15:37:07.502" v="946" actId="478"/>
-        <pc:sldMkLst>
-          <pc:docMk/>
-          <pc:sldMk cId="3496133394" sldId="278"/>
-        </pc:sldMkLst>
-        <pc:spChg chg="mod">
-          <ac:chgData name="dan" userId="52998601ba1e9464" providerId="LiveId" clId="{3F087448-FFBA-41C3-9F8B-3790D3B1B076}" dt="2021-12-09T15:37:04.391" v="945" actId="20577"/>
-          <ac:spMkLst>
-            <pc:docMk/>
-            <pc:sldMk cId="3496133394" sldId="278"/>
-            <ac:spMk id="2" creationId="{F7227103-21B0-4DCD-885E-91FF579F4601}"/>
-          </ac:spMkLst>
-        </pc:spChg>
-        <pc:spChg chg="del mod">
-          <ac:chgData name="dan" userId="52998601ba1e9464" providerId="LiveId" clId="{3F087448-FFBA-41C3-9F8B-3790D3B1B076}" dt="2021-12-09T15:37:07.502" v="946" actId="478"/>
-          <ac:spMkLst>
-            <pc:docMk/>
-            <pc:sldMk cId="3496133394" sldId="278"/>
-            <ac:spMk id="3" creationId="{D3807B2E-D348-43A1-98A0-74E23361259B}"/>
-          </ac:spMkLst>
-        </pc:spChg>
-      </pc:sldChg>
-      <pc:sldChg chg="ord">
-        <pc:chgData name="dan" userId="52998601ba1e9464" providerId="LiveId" clId="{3F087448-FFBA-41C3-9F8B-3790D3B1B076}" dt="2021-12-09T15:38:15.837" v="948"/>
-        <pc:sldMkLst>
-          <pc:docMk/>
-          <pc:sldMk cId="1023941711" sldId="279"/>
-        </pc:sldMkLst>
-      </pc:sldChg>
-      <pc:sldChg chg="addSp delSp modSp new mod ord">
-        <pc:chgData name="dan" userId="52998601ba1e9464" providerId="LiveId" clId="{3F087448-FFBA-41C3-9F8B-3790D3B1B076}" dt="2021-12-09T15:20:41.168" v="52" actId="1076"/>
-        <pc:sldMkLst>
-          <pc:docMk/>
-          <pc:sldMk cId="3378701454" sldId="281"/>
-        </pc:sldMkLst>
-        <pc:spChg chg="add del mod">
-          <ac:chgData name="dan" userId="52998601ba1e9464" providerId="LiveId" clId="{3F087448-FFBA-41C3-9F8B-3790D3B1B076}" dt="2021-12-09T15:19:41.258" v="43" actId="20577"/>
-          <ac:spMkLst>
-            <pc:docMk/>
-            <pc:sldMk cId="3378701454" sldId="281"/>
-            <ac:spMk id="2" creationId="{52539EA8-A158-496F-9802-A07053DE0047}"/>
-          </ac:spMkLst>
-        </pc:spChg>
-        <pc:spChg chg="del">
-          <ac:chgData name="dan" userId="52998601ba1e9464" providerId="LiveId" clId="{3F087448-FFBA-41C3-9F8B-3790D3B1B076}" dt="2021-12-09T15:19:29.301" v="3" actId="478"/>
-          <ac:spMkLst>
-            <pc:docMk/>
-            <pc:sldMk cId="3378701454" sldId="281"/>
-            <ac:spMk id="3" creationId="{BF4DAABE-88FF-436E-8ACF-8650C103E2F9}"/>
-          </ac:spMkLst>
-        </pc:spChg>
-        <pc:spChg chg="add mod">
-          <ac:chgData name="dan" userId="52998601ba1e9464" providerId="LiveId" clId="{3F087448-FFBA-41C3-9F8B-3790D3B1B076}" dt="2021-12-09T15:20:17.633" v="48"/>
-          <ac:spMkLst>
-            <pc:docMk/>
-            <pc:sldMk cId="3378701454" sldId="281"/>
-            <ac:spMk id="6" creationId="{F44B1B02-1CB1-463C-AA9B-5779E2AB137D}"/>
-          </ac:spMkLst>
-        </pc:spChg>
-        <pc:spChg chg="add mod">
-          <ac:chgData name="dan" userId="52998601ba1e9464" providerId="LiveId" clId="{3F087448-FFBA-41C3-9F8B-3790D3B1B076}" dt="2021-12-09T15:20:31.961" v="50" actId="1076"/>
-          <ac:spMkLst>
-            <pc:docMk/>
-            <pc:sldMk cId="3378701454" sldId="281"/>
-            <ac:spMk id="7" creationId="{4FC98A18-8F46-49D0-87E7-599675F96D09}"/>
-          </ac:spMkLst>
-        </pc:spChg>
-        <pc:picChg chg="add mod">
-          <ac:chgData name="dan" userId="52998601ba1e9464" providerId="LiveId" clId="{3F087448-FFBA-41C3-9F8B-3790D3B1B076}" dt="2021-12-09T15:20:36.570" v="51" actId="1076"/>
-          <ac:picMkLst>
-            <pc:docMk/>
-            <pc:sldMk cId="3378701454" sldId="281"/>
-            <ac:picMk id="4" creationId="{4C67C7CA-1AF8-4C89-9FD0-8EBC5036EAD8}"/>
-          </ac:picMkLst>
-        </pc:picChg>
-        <pc:picChg chg="add mod">
-          <ac:chgData name="dan" userId="52998601ba1e9464" providerId="LiveId" clId="{3F087448-FFBA-41C3-9F8B-3790D3B1B076}" dt="2021-12-09T15:20:41.168" v="52" actId="1076"/>
-          <ac:picMkLst>
-            <pc:docMk/>
-            <pc:sldMk cId="3378701454" sldId="281"/>
-            <ac:picMk id="5" creationId="{7A8B01FD-366D-429E-B8A0-D6F861CDB176}"/>
-          </ac:picMkLst>
-        </pc:picChg>
-      </pc:sldChg>
-    </pc:docChg>
-  </pc:docChgLst>
-</pc:chgInfo>
 </file>
 
 <file path=ppt/slideLayouts/slideLayout1.xml><?xml version="1.0" encoding="utf-8"?>
